--- a/Slides.pptx
+++ b/Slides.pptx
@@ -5727,7 +5727,7 @@
           <a:lstStyle/>
           <a:p>
             <a:r>
-              <a:rPr lang="en-ES"/>
+              <a:rPr lang="en-ES" dirty="0"/>
               <a:t>Arduino IDE: Instalar</a:t>
             </a:r>
           </a:p>
@@ -5768,7 +5768,7 @@
           <a:p>
             <a:r>
               <a:rPr lang="es-ES_tradnl" dirty="0"/>
-              <a:t>Ficheros</a:t>
+              <a:t>Archivo</a:t>
             </a:r>
             <a:r>
               <a:rPr lang="en-GB" dirty="0"/>
@@ -5777,10 +5777,13 @@
           </a:p>
           <a:p>
             <a:pPr lvl="1"/>
+            <a:r>
+              <a:rPr lang="en-GB" dirty="0">
+                <a:hlinkClick r:id="rId3"/>
+              </a:rPr>
+              <a:t>https://github.com/aghiuru/taller-arduino/blob/main/Taller.zip</a:t>
+            </a:r>
             <a:endParaRPr lang="en-GB" dirty="0"/>
-          </a:p>
-          <a:p>
-            <a:endParaRPr lang="en-ES" dirty="0"/>
           </a:p>
         </p:txBody>
       </p:sp>
